--- a/meeting-notes/files/UserRegistrySearch2025Schedule20250226.pptx
+++ b/meeting-notes/files/UserRegistrySearch2025Schedule20250226.pptx
@@ -6,17 +6,16 @@
     <p:sldMasterId id="2147483687" r:id="rId5"/>
   </p:sldMasterIdLst>
   <p:notesMasterIdLst>
-    <p:notesMasterId r:id="rId11"/>
+    <p:notesMasterId r:id="rId10"/>
   </p:notesMasterIdLst>
   <p:handoutMasterIdLst>
-    <p:handoutMasterId r:id="rId12"/>
+    <p:handoutMasterId r:id="rId11"/>
   </p:handoutMasterIdLst>
   <p:sldIdLst>
     <p:sldId id="368" r:id="rId6"/>
     <p:sldId id="369" r:id="rId7"/>
     <p:sldId id="370" r:id="rId8"/>
     <p:sldId id="371" r:id="rId9"/>
-    <p:sldId id="372" r:id="rId10"/>
   </p:sldIdLst>
   <p:sldSz cx="12192000" cy="6858000"/>
   <p:notesSz cx="6858000" cy="9144000"/>
@@ -9281,2192 +9280,6 @@
     <p:extLst>
       <p:ext uri="{BB962C8B-B14F-4D97-AF65-F5344CB8AC3E}">
         <p14:creationId xmlns:p14="http://schemas.microsoft.com/office/powerpoint/2010/main" val="3332300118"/>
-      </p:ext>
-    </p:extLst>
-  </p:cSld>
-  <p:clrMapOvr>
-    <a:masterClrMapping/>
-  </p:clrMapOvr>
-</p:sld>
-</file>
-
-<file path=ppt/slides/slide5.xml><?xml version="1.0" encoding="utf-8"?>
-<p:sld xmlns:a="http://schemas.openxmlformats.org/drawingml/2006/main" xmlns:r="http://schemas.openxmlformats.org/officeDocument/2006/relationships" xmlns:p="http://schemas.openxmlformats.org/presentationml/2006/main">
-  <p:cSld>
-    <p:spTree>
-      <p:nvGrpSpPr>
-        <p:cNvPr id="1" name=""/>
-        <p:cNvGrpSpPr/>
-        <p:nvPr/>
-      </p:nvGrpSpPr>
-      <p:grpSpPr>
-        <a:xfrm>
-          <a:off x="0" y="0"/>
-          <a:ext cx="0" cy="0"/>
-          <a:chOff x="0" y="0"/>
-          <a:chExt cx="0" cy="0"/>
-        </a:xfrm>
-      </p:grpSpPr>
-      <p:cxnSp>
-        <p:nvCxnSpPr>
-          <p:cNvPr id="6" name="Straight Connector 5">
-            <a:extLst>
-              <a:ext uri="{FF2B5EF4-FFF2-40B4-BE49-F238E27FC236}">
-                <a16:creationId xmlns:a16="http://schemas.microsoft.com/office/drawing/2014/main" id="{0F0FAE06-71C7-02C6-F89C-73ECFA3D4EAD}"/>
-              </a:ext>
-            </a:extLst>
-          </p:cNvPr>
-          <p:cNvCxnSpPr>
-            <a:cxnSpLocks/>
-          </p:cNvCxnSpPr>
-          <p:nvPr/>
-        </p:nvCxnSpPr>
-        <p:spPr>
-          <a:xfrm>
-            <a:off x="7580517" y="2189836"/>
-            <a:ext cx="0" cy="1095404"/>
-          </a:xfrm>
-          <a:prstGeom prst="line">
-            <a:avLst/>
-          </a:prstGeom>
-          <a:ln w="76200">
-            <a:solidFill>
-              <a:srgbClr val="00B050"/>
-            </a:solidFill>
-          </a:ln>
-        </p:spPr>
-        <p:style>
-          <a:lnRef idx="1">
-            <a:schemeClr val="accent1"/>
-          </a:lnRef>
-          <a:fillRef idx="0">
-            <a:schemeClr val="accent1"/>
-          </a:fillRef>
-          <a:effectRef idx="0">
-            <a:schemeClr val="accent1"/>
-          </a:effectRef>
-          <a:fontRef idx="minor">
-            <a:schemeClr val="tx1"/>
-          </a:fontRef>
-        </p:style>
-      </p:cxnSp>
-      <p:sp>
-        <p:nvSpPr>
-          <p:cNvPr id="34" name="Star: 5 Points 33">
-            <a:extLst>
-              <a:ext uri="{FF2B5EF4-FFF2-40B4-BE49-F238E27FC236}">
-                <a16:creationId xmlns:a16="http://schemas.microsoft.com/office/drawing/2014/main" id="{9AD57308-98B2-4CEC-BB82-86846E442A45}"/>
-              </a:ext>
-            </a:extLst>
-          </p:cNvPr>
-          <p:cNvSpPr/>
-          <p:nvPr/>
-        </p:nvSpPr>
-        <p:spPr>
-          <a:xfrm>
-            <a:off x="7394168" y="2438115"/>
-            <a:ext cx="370866" cy="267238"/>
-          </a:xfrm>
-          <a:prstGeom prst="star5">
-            <a:avLst/>
-          </a:prstGeom>
-          <a:solidFill>
-            <a:srgbClr val="FFFF00"/>
-          </a:solidFill>
-        </p:spPr>
-        <p:style>
-          <a:lnRef idx="2">
-            <a:schemeClr val="accent1">
-              <a:shade val="15000"/>
-            </a:schemeClr>
-          </a:lnRef>
-          <a:fillRef idx="1">
-            <a:schemeClr val="accent1"/>
-          </a:fillRef>
-          <a:effectRef idx="0">
-            <a:schemeClr val="accent1"/>
-          </a:effectRef>
-          <a:fontRef idx="minor">
-            <a:schemeClr val="lt1"/>
-          </a:fontRef>
-        </p:style>
-        <p:txBody>
-          <a:bodyPr rtlCol="0" anchor="ctr"/>
-          <a:lstStyle/>
-          <a:p>
-            <a:pPr algn="ctr"/>
-            <a:endParaRPr lang="en-US"/>
-          </a:p>
-        </p:txBody>
-      </p:sp>
-      <p:cxnSp>
-        <p:nvCxnSpPr>
-          <p:cNvPr id="39" name="Straight Connector 38">
-            <a:extLst>
-              <a:ext uri="{FF2B5EF4-FFF2-40B4-BE49-F238E27FC236}">
-                <a16:creationId xmlns:a16="http://schemas.microsoft.com/office/drawing/2014/main" id="{E16779B3-0554-DF33-9C75-AA98A37517B0}"/>
-              </a:ext>
-            </a:extLst>
-          </p:cNvPr>
-          <p:cNvCxnSpPr>
-            <a:cxnSpLocks/>
-          </p:cNvCxnSpPr>
-          <p:nvPr/>
-        </p:nvCxnSpPr>
-        <p:spPr>
-          <a:xfrm>
-            <a:off x="3464009" y="3285240"/>
-            <a:ext cx="11055" cy="1156442"/>
-          </a:xfrm>
-          <a:prstGeom prst="line">
-            <a:avLst/>
-          </a:prstGeom>
-          <a:ln w="76200">
-            <a:solidFill>
-              <a:srgbClr val="00B0F0"/>
-            </a:solidFill>
-          </a:ln>
-        </p:spPr>
-        <p:style>
-          <a:lnRef idx="1">
-            <a:schemeClr val="accent1"/>
-          </a:lnRef>
-          <a:fillRef idx="0">
-            <a:schemeClr val="accent1"/>
-          </a:fillRef>
-          <a:effectRef idx="0">
-            <a:schemeClr val="accent1"/>
-          </a:effectRef>
-          <a:fontRef idx="minor">
-            <a:schemeClr val="tx1"/>
-          </a:fontRef>
-        </p:style>
-      </p:cxnSp>
-      <p:sp>
-        <p:nvSpPr>
-          <p:cNvPr id="4" name="Slide Number Placeholder 3">
-            <a:extLst>
-              <a:ext uri="{FF2B5EF4-FFF2-40B4-BE49-F238E27FC236}">
-                <a16:creationId xmlns:a16="http://schemas.microsoft.com/office/drawing/2014/main" id="{D83FCAD1-1947-5E18-D16D-71953A4C7467}"/>
-              </a:ext>
-            </a:extLst>
-          </p:cNvPr>
-          <p:cNvSpPr>
-            <a:spLocks noGrp="1"/>
-          </p:cNvSpPr>
-          <p:nvPr>
-            <p:ph type="sldNum" sz="quarter" idx="12"/>
-          </p:nvPr>
-        </p:nvSpPr>
-        <p:spPr/>
-        <p:txBody>
-          <a:bodyPr/>
-          <a:lstStyle/>
-          <a:p>
-            <a:r>
-              <a:rPr lang="en-US"/>
-              <a:t>|</a:t>
-            </a:r>
-            <a:r>
-              <a:rPr lang="en-US">
-                <a:ea typeface="Tahoma" panose="020B0604030504040204" pitchFamily="34" charset="0"/>
-              </a:rPr>
-              <a:t> </a:t>
-            </a:r>
-            <a:fld id="{295008BC-DA31-4D19-837B-EFA4386B05F5}" type="slidenum">
-              <a:rPr lang="en-US" smtClean="0">
-                <a:ea typeface="Tahoma" panose="020B0604030504040204" pitchFamily="34" charset="0"/>
-              </a:rPr>
-              <a:pPr/>
-              <a:t>5</a:t>
-            </a:fld>
-            <a:r>
-              <a:rPr lang="en-US">
-                <a:ea typeface="Tahoma" panose="020B0604030504040204" pitchFamily="34" charset="0"/>
-              </a:rPr>
-              <a:t> </a:t>
-            </a:r>
-            <a:r>
-              <a:rPr lang="en-US"/>
-              <a:t>|</a:t>
-            </a:r>
-            <a:r>
-              <a:rPr lang="en-US">
-                <a:ea typeface="Verdana" pitchFamily="34" charset="0"/>
-              </a:rPr>
-              <a:t> </a:t>
-            </a:r>
-            <a:endParaRPr lang="en-US" dirty="0">
-              <a:ea typeface="Verdana" pitchFamily="34" charset="0"/>
-            </a:endParaRPr>
-          </a:p>
-        </p:txBody>
-      </p:sp>
-      <p:cxnSp>
-        <p:nvCxnSpPr>
-          <p:cNvPr id="5" name="Straight Connector 4">
-            <a:extLst>
-              <a:ext uri="{FF2B5EF4-FFF2-40B4-BE49-F238E27FC236}">
-                <a16:creationId xmlns:a16="http://schemas.microsoft.com/office/drawing/2014/main" id="{D94BCCDD-6E9E-2CD1-3DE1-0604372CAA10}"/>
-              </a:ext>
-            </a:extLst>
-          </p:cNvPr>
-          <p:cNvCxnSpPr>
-            <a:cxnSpLocks/>
-          </p:cNvCxnSpPr>
-          <p:nvPr/>
-        </p:nvCxnSpPr>
-        <p:spPr>
-          <a:xfrm rot="5400000">
-            <a:off x="5903578" y="2928485"/>
-            <a:ext cx="713509" cy="0"/>
-          </a:xfrm>
-          <a:prstGeom prst="line">
-            <a:avLst/>
-          </a:prstGeom>
-          <a:ln w="76200">
-            <a:solidFill>
-              <a:srgbClr val="00B050"/>
-            </a:solidFill>
-          </a:ln>
-        </p:spPr>
-        <p:style>
-          <a:lnRef idx="1">
-            <a:schemeClr val="accent1"/>
-          </a:lnRef>
-          <a:fillRef idx="0">
-            <a:schemeClr val="accent1"/>
-          </a:fillRef>
-          <a:effectRef idx="0">
-            <a:schemeClr val="accent1"/>
-          </a:effectRef>
-          <a:fontRef idx="minor">
-            <a:schemeClr val="tx1"/>
-          </a:fontRef>
-        </p:style>
-      </p:cxnSp>
-      <p:cxnSp>
-        <p:nvCxnSpPr>
-          <p:cNvPr id="7" name="Straight Connector 6">
-            <a:extLst>
-              <a:ext uri="{FF2B5EF4-FFF2-40B4-BE49-F238E27FC236}">
-                <a16:creationId xmlns:a16="http://schemas.microsoft.com/office/drawing/2014/main" id="{EA3F1073-2A55-7F58-B484-A2E38644763C}"/>
-              </a:ext>
-            </a:extLst>
-          </p:cNvPr>
-          <p:cNvCxnSpPr>
-            <a:cxnSpLocks/>
-          </p:cNvCxnSpPr>
-          <p:nvPr/>
-        </p:nvCxnSpPr>
-        <p:spPr>
-          <a:xfrm rot="5400000">
-            <a:off x="4649492" y="2893222"/>
-            <a:ext cx="713509" cy="0"/>
-          </a:xfrm>
-          <a:prstGeom prst="line">
-            <a:avLst/>
-          </a:prstGeom>
-          <a:ln w="76200">
-            <a:solidFill>
-              <a:srgbClr val="00B050"/>
-            </a:solidFill>
-          </a:ln>
-        </p:spPr>
-        <p:style>
-          <a:lnRef idx="1">
-            <a:schemeClr val="accent1"/>
-          </a:lnRef>
-          <a:fillRef idx="0">
-            <a:schemeClr val="accent1"/>
-          </a:fillRef>
-          <a:effectRef idx="0">
-            <a:schemeClr val="accent1"/>
-          </a:effectRef>
-          <a:fontRef idx="minor">
-            <a:schemeClr val="tx1"/>
-          </a:fontRef>
-        </p:style>
-      </p:cxnSp>
-      <p:cxnSp>
-        <p:nvCxnSpPr>
-          <p:cNvPr id="9" name="Straight Connector 8">
-            <a:extLst>
-              <a:ext uri="{FF2B5EF4-FFF2-40B4-BE49-F238E27FC236}">
-                <a16:creationId xmlns:a16="http://schemas.microsoft.com/office/drawing/2014/main" id="{16656A70-9251-9F91-C3FA-738BAEA610A7}"/>
-              </a:ext>
-            </a:extLst>
-          </p:cNvPr>
-          <p:cNvCxnSpPr>
-            <a:cxnSpLocks/>
-          </p:cNvCxnSpPr>
-          <p:nvPr/>
-        </p:nvCxnSpPr>
-        <p:spPr>
-          <a:xfrm rot="5400000">
-            <a:off x="822050" y="3238627"/>
-            <a:ext cx="713509" cy="0"/>
-          </a:xfrm>
-          <a:prstGeom prst="line">
-            <a:avLst/>
-          </a:prstGeom>
-          <a:ln w="76200"/>
-        </p:spPr>
-        <p:style>
-          <a:lnRef idx="1">
-            <a:schemeClr val="accent1"/>
-          </a:lnRef>
-          <a:fillRef idx="0">
-            <a:schemeClr val="accent1"/>
-          </a:fillRef>
-          <a:effectRef idx="0">
-            <a:schemeClr val="accent1"/>
-          </a:effectRef>
-          <a:fontRef idx="minor">
-            <a:schemeClr val="tx1"/>
-          </a:fontRef>
-        </p:style>
-      </p:cxnSp>
-      <p:cxnSp>
-        <p:nvCxnSpPr>
-          <p:cNvPr id="10" name="Straight Connector 9">
-            <a:extLst>
-              <a:ext uri="{FF2B5EF4-FFF2-40B4-BE49-F238E27FC236}">
-                <a16:creationId xmlns:a16="http://schemas.microsoft.com/office/drawing/2014/main" id="{D3E33968-D1E8-A3DA-C970-3DCA5B8B198B}"/>
-              </a:ext>
-            </a:extLst>
-          </p:cNvPr>
-          <p:cNvCxnSpPr>
-            <a:cxnSpLocks/>
-          </p:cNvCxnSpPr>
-          <p:nvPr/>
-        </p:nvCxnSpPr>
-        <p:spPr>
-          <a:xfrm rot="5400000">
-            <a:off x="2076137" y="3251270"/>
-            <a:ext cx="713509" cy="0"/>
-          </a:xfrm>
-          <a:prstGeom prst="line">
-            <a:avLst/>
-          </a:prstGeom>
-          <a:ln w="76200"/>
-        </p:spPr>
-        <p:style>
-          <a:lnRef idx="1">
-            <a:schemeClr val="accent1"/>
-          </a:lnRef>
-          <a:fillRef idx="0">
-            <a:schemeClr val="accent1"/>
-          </a:fillRef>
-          <a:effectRef idx="0">
-            <a:schemeClr val="accent1"/>
-          </a:effectRef>
-          <a:fontRef idx="minor">
-            <a:schemeClr val="tx1"/>
-          </a:fontRef>
-        </p:style>
-      </p:cxnSp>
-      <p:cxnSp>
-        <p:nvCxnSpPr>
-          <p:cNvPr id="11" name="Straight Connector 10">
-            <a:extLst>
-              <a:ext uri="{FF2B5EF4-FFF2-40B4-BE49-F238E27FC236}">
-                <a16:creationId xmlns:a16="http://schemas.microsoft.com/office/drawing/2014/main" id="{89EC8001-C0E8-460C-CB19-53583A0EC1D9}"/>
-              </a:ext>
-            </a:extLst>
-          </p:cNvPr>
-          <p:cNvCxnSpPr>
-            <a:cxnSpLocks/>
-          </p:cNvCxnSpPr>
-          <p:nvPr/>
-        </p:nvCxnSpPr>
-        <p:spPr>
-          <a:xfrm rot="5400000">
-            <a:off x="3275139" y="3251270"/>
-            <a:ext cx="713509" cy="0"/>
-          </a:xfrm>
-          <a:prstGeom prst="line">
-            <a:avLst/>
-          </a:prstGeom>
-          <a:ln w="76200"/>
-        </p:spPr>
-        <p:style>
-          <a:lnRef idx="1">
-            <a:schemeClr val="accent1"/>
-          </a:lnRef>
-          <a:fillRef idx="0">
-            <a:schemeClr val="accent1"/>
-          </a:fillRef>
-          <a:effectRef idx="0">
-            <a:schemeClr val="accent1"/>
-          </a:effectRef>
-          <a:fontRef idx="minor">
-            <a:schemeClr val="tx1"/>
-          </a:fontRef>
-        </p:style>
-      </p:cxnSp>
-      <p:cxnSp>
-        <p:nvCxnSpPr>
-          <p:cNvPr id="12" name="Straight Connector 11">
-            <a:extLst>
-              <a:ext uri="{FF2B5EF4-FFF2-40B4-BE49-F238E27FC236}">
-                <a16:creationId xmlns:a16="http://schemas.microsoft.com/office/drawing/2014/main" id="{ACB4FB57-4B96-CE8E-77A4-35BDD470B052}"/>
-              </a:ext>
-            </a:extLst>
-          </p:cNvPr>
-          <p:cNvCxnSpPr>
-            <a:cxnSpLocks/>
-          </p:cNvCxnSpPr>
-          <p:nvPr/>
-        </p:nvCxnSpPr>
-        <p:spPr>
-          <a:xfrm rot="5400000">
-            <a:off x="4485158" y="3285240"/>
-            <a:ext cx="713509" cy="0"/>
-          </a:xfrm>
-          <a:prstGeom prst="line">
-            <a:avLst/>
-          </a:prstGeom>
-          <a:ln w="76200"/>
-        </p:spPr>
-        <p:style>
-          <a:lnRef idx="1">
-            <a:schemeClr val="accent1"/>
-          </a:lnRef>
-          <a:fillRef idx="0">
-            <a:schemeClr val="accent1"/>
-          </a:fillRef>
-          <a:effectRef idx="0">
-            <a:schemeClr val="accent1"/>
-          </a:effectRef>
-          <a:fontRef idx="minor">
-            <a:schemeClr val="tx1"/>
-          </a:fontRef>
-        </p:style>
-      </p:cxnSp>
-      <p:cxnSp>
-        <p:nvCxnSpPr>
-          <p:cNvPr id="13" name="Straight Connector 12">
-            <a:extLst>
-              <a:ext uri="{FF2B5EF4-FFF2-40B4-BE49-F238E27FC236}">
-                <a16:creationId xmlns:a16="http://schemas.microsoft.com/office/drawing/2014/main" id="{60AE401C-B837-6554-6193-CDF68ADA70CF}"/>
-              </a:ext>
-            </a:extLst>
-          </p:cNvPr>
-          <p:cNvCxnSpPr>
-            <a:cxnSpLocks/>
-          </p:cNvCxnSpPr>
-          <p:nvPr/>
-        </p:nvCxnSpPr>
-        <p:spPr>
-          <a:xfrm rot="5400000">
-            <a:off x="5639635" y="3251271"/>
-            <a:ext cx="713509" cy="0"/>
-          </a:xfrm>
-          <a:prstGeom prst="line">
-            <a:avLst/>
-          </a:prstGeom>
-          <a:ln w="76200"/>
-        </p:spPr>
-        <p:style>
-          <a:lnRef idx="1">
-            <a:schemeClr val="accent1"/>
-          </a:lnRef>
-          <a:fillRef idx="0">
-            <a:schemeClr val="accent1"/>
-          </a:fillRef>
-          <a:effectRef idx="0">
-            <a:schemeClr val="accent1"/>
-          </a:effectRef>
-          <a:fontRef idx="minor">
-            <a:schemeClr val="tx1"/>
-          </a:fontRef>
-        </p:style>
-      </p:cxnSp>
-      <p:cxnSp>
-        <p:nvCxnSpPr>
-          <p:cNvPr id="14" name="Straight Connector 13">
-            <a:extLst>
-              <a:ext uri="{FF2B5EF4-FFF2-40B4-BE49-F238E27FC236}">
-                <a16:creationId xmlns:a16="http://schemas.microsoft.com/office/drawing/2014/main" id="{BDCA74EF-431B-096F-42C5-1E35D9C89CD2}"/>
-              </a:ext>
-            </a:extLst>
-          </p:cNvPr>
-          <p:cNvCxnSpPr>
-            <a:cxnSpLocks/>
-          </p:cNvCxnSpPr>
-          <p:nvPr/>
-        </p:nvCxnSpPr>
-        <p:spPr>
-          <a:xfrm rot="5400000">
-            <a:off x="6995170" y="3285240"/>
-            <a:ext cx="713509" cy="0"/>
-          </a:xfrm>
-          <a:prstGeom prst="line">
-            <a:avLst/>
-          </a:prstGeom>
-          <a:ln w="76200"/>
-        </p:spPr>
-        <p:style>
-          <a:lnRef idx="1">
-            <a:schemeClr val="accent1"/>
-          </a:lnRef>
-          <a:fillRef idx="0">
-            <a:schemeClr val="accent1"/>
-          </a:fillRef>
-          <a:effectRef idx="0">
-            <a:schemeClr val="accent1"/>
-          </a:effectRef>
-          <a:fontRef idx="minor">
-            <a:schemeClr val="tx1"/>
-          </a:fontRef>
-        </p:style>
-      </p:cxnSp>
-      <p:cxnSp>
-        <p:nvCxnSpPr>
-          <p:cNvPr id="15" name="Straight Connector 14">
-            <a:extLst>
-              <a:ext uri="{FF2B5EF4-FFF2-40B4-BE49-F238E27FC236}">
-                <a16:creationId xmlns:a16="http://schemas.microsoft.com/office/drawing/2014/main" id="{5B9AC830-0CA1-5576-094F-3B9B85A51442}"/>
-              </a:ext>
-            </a:extLst>
-          </p:cNvPr>
-          <p:cNvCxnSpPr>
-            <a:cxnSpLocks/>
-          </p:cNvCxnSpPr>
-          <p:nvPr/>
-        </p:nvCxnSpPr>
-        <p:spPr>
-          <a:xfrm rot="5400000">
-            <a:off x="8194173" y="3319210"/>
-            <a:ext cx="713509" cy="0"/>
-          </a:xfrm>
-          <a:prstGeom prst="line">
-            <a:avLst/>
-          </a:prstGeom>
-          <a:ln w="76200"/>
-        </p:spPr>
-        <p:style>
-          <a:lnRef idx="1">
-            <a:schemeClr val="accent1"/>
-          </a:lnRef>
-          <a:fillRef idx="0">
-            <a:schemeClr val="accent1"/>
-          </a:fillRef>
-          <a:effectRef idx="0">
-            <a:schemeClr val="accent1"/>
-          </a:effectRef>
-          <a:fontRef idx="minor">
-            <a:schemeClr val="tx1"/>
-          </a:fontRef>
-        </p:style>
-      </p:cxnSp>
-      <p:sp>
-        <p:nvSpPr>
-          <p:cNvPr id="16" name="TextBox 15">
-            <a:extLst>
-              <a:ext uri="{FF2B5EF4-FFF2-40B4-BE49-F238E27FC236}">
-                <a16:creationId xmlns:a16="http://schemas.microsoft.com/office/drawing/2014/main" id="{1337C9C8-4EAA-DAA5-4498-EBBF3C1D634F}"/>
-              </a:ext>
-            </a:extLst>
-          </p:cNvPr>
-          <p:cNvSpPr txBox="1"/>
-          <p:nvPr/>
-        </p:nvSpPr>
-        <p:spPr>
-          <a:xfrm>
-            <a:off x="1388779" y="2868682"/>
-            <a:ext cx="788806" cy="369332"/>
-          </a:xfrm>
-          <a:prstGeom prst="rect">
-            <a:avLst/>
-          </a:prstGeom>
-          <a:noFill/>
-        </p:spPr>
-        <p:txBody>
-          <a:bodyPr wrap="square" rtlCol="0">
-            <a:spAutoFit/>
-          </a:bodyPr>
-          <a:lstStyle/>
-          <a:p>
-            <a:r>
-              <a:rPr lang="en-US" dirty="0">
-                <a:solidFill>
-                  <a:srgbClr val="FFB000"/>
-                </a:solidFill>
-              </a:rPr>
-              <a:t>March</a:t>
-            </a:r>
-          </a:p>
-        </p:txBody>
-      </p:sp>
-      <p:sp>
-        <p:nvSpPr>
-          <p:cNvPr id="17" name="TextBox 16">
-            <a:extLst>
-              <a:ext uri="{FF2B5EF4-FFF2-40B4-BE49-F238E27FC236}">
-                <a16:creationId xmlns:a16="http://schemas.microsoft.com/office/drawing/2014/main" id="{B39C07C0-5FBF-9C26-A119-8D353CB2F22F}"/>
-              </a:ext>
-            </a:extLst>
-          </p:cNvPr>
-          <p:cNvSpPr txBox="1"/>
-          <p:nvPr/>
-        </p:nvSpPr>
-        <p:spPr>
-          <a:xfrm>
-            <a:off x="2764397" y="2849529"/>
-            <a:ext cx="625492" cy="369332"/>
-          </a:xfrm>
-          <a:prstGeom prst="rect">
-            <a:avLst/>
-          </a:prstGeom>
-          <a:noFill/>
-        </p:spPr>
-        <p:txBody>
-          <a:bodyPr wrap="square" rtlCol="0">
-            <a:spAutoFit/>
-          </a:bodyPr>
-          <a:lstStyle/>
-          <a:p>
-            <a:r>
-              <a:rPr lang="en-US" dirty="0">
-                <a:solidFill>
-                  <a:srgbClr val="FFB000"/>
-                </a:solidFill>
-              </a:rPr>
-              <a:t>April</a:t>
-            </a:r>
-          </a:p>
-        </p:txBody>
-      </p:sp>
-      <p:sp>
-        <p:nvSpPr>
-          <p:cNvPr id="19" name="TextBox 18">
-            <a:extLst>
-              <a:ext uri="{FF2B5EF4-FFF2-40B4-BE49-F238E27FC236}">
-                <a16:creationId xmlns:a16="http://schemas.microsoft.com/office/drawing/2014/main" id="{C37F1AFE-DB29-C9D5-1177-DCC04556197E}"/>
-              </a:ext>
-            </a:extLst>
-          </p:cNvPr>
-          <p:cNvSpPr txBox="1"/>
-          <p:nvPr/>
-        </p:nvSpPr>
-        <p:spPr>
-          <a:xfrm>
-            <a:off x="5174522" y="2861662"/>
-            <a:ext cx="919743" cy="369332"/>
-          </a:xfrm>
-          <a:prstGeom prst="rect">
-            <a:avLst/>
-          </a:prstGeom>
-          <a:noFill/>
-        </p:spPr>
-        <p:txBody>
-          <a:bodyPr wrap="square" rtlCol="0">
-            <a:spAutoFit/>
-          </a:bodyPr>
-          <a:lstStyle/>
-          <a:p>
-            <a:r>
-              <a:rPr lang="en-US" dirty="0">
-                <a:solidFill>
-                  <a:srgbClr val="FFB000"/>
-                </a:solidFill>
-              </a:rPr>
-              <a:t>June</a:t>
-            </a:r>
-          </a:p>
-        </p:txBody>
-      </p:sp>
-      <p:sp>
-        <p:nvSpPr>
-          <p:cNvPr id="20" name="TextBox 19">
-            <a:extLst>
-              <a:ext uri="{FF2B5EF4-FFF2-40B4-BE49-F238E27FC236}">
-                <a16:creationId xmlns:a16="http://schemas.microsoft.com/office/drawing/2014/main" id="{09588522-AB52-39C4-3EE8-8DD492380AED}"/>
-              </a:ext>
-            </a:extLst>
-          </p:cNvPr>
-          <p:cNvSpPr txBox="1"/>
-          <p:nvPr/>
-        </p:nvSpPr>
-        <p:spPr>
-          <a:xfrm>
-            <a:off x="6396673" y="2871063"/>
-            <a:ext cx="919743" cy="369332"/>
-          </a:xfrm>
-          <a:prstGeom prst="rect">
-            <a:avLst/>
-          </a:prstGeom>
-          <a:noFill/>
-        </p:spPr>
-        <p:txBody>
-          <a:bodyPr wrap="square" rtlCol="0">
-            <a:spAutoFit/>
-          </a:bodyPr>
-          <a:lstStyle/>
-          <a:p>
-            <a:r>
-              <a:rPr lang="en-US" dirty="0">
-                <a:solidFill>
-                  <a:srgbClr val="FFB000"/>
-                </a:solidFill>
-              </a:rPr>
-              <a:t>July</a:t>
-            </a:r>
-          </a:p>
-        </p:txBody>
-      </p:sp>
-      <p:sp>
-        <p:nvSpPr>
-          <p:cNvPr id="21" name="TextBox 20">
-            <a:extLst>
-              <a:ext uri="{FF2B5EF4-FFF2-40B4-BE49-F238E27FC236}">
-                <a16:creationId xmlns:a16="http://schemas.microsoft.com/office/drawing/2014/main" id="{B796A5CB-7912-E4B7-71D1-7347F4381A67}"/>
-              </a:ext>
-            </a:extLst>
-          </p:cNvPr>
-          <p:cNvSpPr txBox="1"/>
-          <p:nvPr/>
-        </p:nvSpPr>
-        <p:spPr>
-          <a:xfrm>
-            <a:off x="7585255" y="2906369"/>
-            <a:ext cx="919743" cy="369332"/>
-          </a:xfrm>
-          <a:prstGeom prst="rect">
-            <a:avLst/>
-          </a:prstGeom>
-          <a:noFill/>
-        </p:spPr>
-        <p:txBody>
-          <a:bodyPr wrap="square" rtlCol="0">
-            <a:spAutoFit/>
-          </a:bodyPr>
-          <a:lstStyle/>
-          <a:p>
-            <a:r>
-              <a:rPr lang="en-US" dirty="0">
-                <a:solidFill>
-                  <a:srgbClr val="FFB000"/>
-                </a:solidFill>
-              </a:rPr>
-              <a:t>August</a:t>
-            </a:r>
-          </a:p>
-        </p:txBody>
-      </p:sp>
-      <p:sp>
-        <p:nvSpPr>
-          <p:cNvPr id="22" name="TextBox 21">
-            <a:extLst>
-              <a:ext uri="{FF2B5EF4-FFF2-40B4-BE49-F238E27FC236}">
-                <a16:creationId xmlns:a16="http://schemas.microsoft.com/office/drawing/2014/main" id="{D21428F5-7A49-E670-A199-09B9EC6AE986}"/>
-              </a:ext>
-            </a:extLst>
-          </p:cNvPr>
-          <p:cNvSpPr txBox="1"/>
-          <p:nvPr/>
-        </p:nvSpPr>
-        <p:spPr>
-          <a:xfrm>
-            <a:off x="8705411" y="2861662"/>
-            <a:ext cx="919743" cy="369332"/>
-          </a:xfrm>
-          <a:prstGeom prst="rect">
-            <a:avLst/>
-          </a:prstGeom>
-          <a:noFill/>
-        </p:spPr>
-        <p:txBody>
-          <a:bodyPr wrap="square" rtlCol="0">
-            <a:spAutoFit/>
-          </a:bodyPr>
-          <a:lstStyle/>
-          <a:p>
-            <a:r>
-              <a:rPr lang="en-US" dirty="0">
-                <a:solidFill>
-                  <a:srgbClr val="FFB000"/>
-                </a:solidFill>
-              </a:rPr>
-              <a:t>Sept</a:t>
-            </a:r>
-          </a:p>
-        </p:txBody>
-      </p:sp>
-      <p:cxnSp>
-        <p:nvCxnSpPr>
-          <p:cNvPr id="23" name="Straight Connector 22">
-            <a:extLst>
-              <a:ext uri="{FF2B5EF4-FFF2-40B4-BE49-F238E27FC236}">
-                <a16:creationId xmlns:a16="http://schemas.microsoft.com/office/drawing/2014/main" id="{D53D60CB-26A4-6229-DB3C-CEB2CDAE8BCE}"/>
-              </a:ext>
-            </a:extLst>
-          </p:cNvPr>
-          <p:cNvCxnSpPr>
-            <a:cxnSpLocks/>
-          </p:cNvCxnSpPr>
-          <p:nvPr/>
-        </p:nvCxnSpPr>
-        <p:spPr>
-          <a:xfrm rot="5400000">
-            <a:off x="9216905" y="3285240"/>
-            <a:ext cx="713509" cy="0"/>
-          </a:xfrm>
-          <a:prstGeom prst="line">
-            <a:avLst/>
-          </a:prstGeom>
-          <a:ln w="76200"/>
-        </p:spPr>
-        <p:style>
-          <a:lnRef idx="1">
-            <a:schemeClr val="accent1"/>
-          </a:lnRef>
-          <a:fillRef idx="0">
-            <a:schemeClr val="accent1"/>
-          </a:fillRef>
-          <a:effectRef idx="0">
-            <a:schemeClr val="accent1"/>
-          </a:effectRef>
-          <a:fontRef idx="minor">
-            <a:schemeClr val="tx1"/>
-          </a:fontRef>
-        </p:style>
-      </p:cxnSp>
-      <p:cxnSp>
-        <p:nvCxnSpPr>
-          <p:cNvPr id="24" name="Straight Connector 23">
-            <a:extLst>
-              <a:ext uri="{FF2B5EF4-FFF2-40B4-BE49-F238E27FC236}">
-                <a16:creationId xmlns:a16="http://schemas.microsoft.com/office/drawing/2014/main" id="{200D6391-5D26-A6FB-AD2A-896FF7FE377F}"/>
-              </a:ext>
-            </a:extLst>
-          </p:cNvPr>
-          <p:cNvCxnSpPr>
-            <a:cxnSpLocks/>
-          </p:cNvCxnSpPr>
-          <p:nvPr/>
-        </p:nvCxnSpPr>
-        <p:spPr>
-          <a:xfrm rot="5400000">
-            <a:off x="10239636" y="3319210"/>
-            <a:ext cx="713509" cy="0"/>
-          </a:xfrm>
-          <a:prstGeom prst="line">
-            <a:avLst/>
-          </a:prstGeom>
-          <a:ln w="76200"/>
-        </p:spPr>
-        <p:style>
-          <a:lnRef idx="1">
-            <a:schemeClr val="accent1"/>
-          </a:lnRef>
-          <a:fillRef idx="0">
-            <a:schemeClr val="accent1"/>
-          </a:fillRef>
-          <a:effectRef idx="0">
-            <a:schemeClr val="accent1"/>
-          </a:effectRef>
-          <a:fontRef idx="minor">
-            <a:schemeClr val="tx1"/>
-          </a:fontRef>
-        </p:style>
-      </p:cxnSp>
-      <p:sp>
-        <p:nvSpPr>
-          <p:cNvPr id="25" name="TextBox 24">
-            <a:extLst>
-              <a:ext uri="{FF2B5EF4-FFF2-40B4-BE49-F238E27FC236}">
-                <a16:creationId xmlns:a16="http://schemas.microsoft.com/office/drawing/2014/main" id="{369CC25A-74B1-977A-6ED7-0A00D8E923A3}"/>
-              </a:ext>
-            </a:extLst>
-          </p:cNvPr>
-          <p:cNvSpPr txBox="1"/>
-          <p:nvPr/>
-        </p:nvSpPr>
-        <p:spPr>
-          <a:xfrm>
-            <a:off x="9861862" y="2881872"/>
-            <a:ext cx="919743" cy="369332"/>
-          </a:xfrm>
-          <a:prstGeom prst="rect">
-            <a:avLst/>
-          </a:prstGeom>
-          <a:noFill/>
-        </p:spPr>
-        <p:txBody>
-          <a:bodyPr wrap="square" rtlCol="0">
-            <a:spAutoFit/>
-          </a:bodyPr>
-          <a:lstStyle/>
-          <a:p>
-            <a:r>
-              <a:rPr lang="en-US" dirty="0">
-                <a:solidFill>
-                  <a:srgbClr val="FFB000"/>
-                </a:solidFill>
-              </a:rPr>
-              <a:t>Oct</a:t>
-            </a:r>
-          </a:p>
-        </p:txBody>
-      </p:sp>
-      <p:sp>
-        <p:nvSpPr>
-          <p:cNvPr id="26" name="TextBox 25">
-            <a:extLst>
-              <a:ext uri="{FF2B5EF4-FFF2-40B4-BE49-F238E27FC236}">
-                <a16:creationId xmlns:a16="http://schemas.microsoft.com/office/drawing/2014/main" id="{B33CC8AF-B59C-EAD3-A9D6-B80B7687FBC6}"/>
-              </a:ext>
-            </a:extLst>
-          </p:cNvPr>
-          <p:cNvSpPr txBox="1"/>
-          <p:nvPr/>
-        </p:nvSpPr>
-        <p:spPr>
-          <a:xfrm>
-            <a:off x="10758853" y="2903592"/>
-            <a:ext cx="919743" cy="369332"/>
-          </a:xfrm>
-          <a:prstGeom prst="rect">
-            <a:avLst/>
-          </a:prstGeom>
-          <a:noFill/>
-        </p:spPr>
-        <p:txBody>
-          <a:bodyPr wrap="square" rtlCol="0">
-            <a:spAutoFit/>
-          </a:bodyPr>
-          <a:lstStyle/>
-          <a:p>
-            <a:r>
-              <a:rPr lang="en-US" dirty="0">
-                <a:solidFill>
-                  <a:srgbClr val="FFB000"/>
-                </a:solidFill>
-              </a:rPr>
-              <a:t>Nov</a:t>
-            </a:r>
-          </a:p>
-        </p:txBody>
-      </p:sp>
-      <p:sp>
-        <p:nvSpPr>
-          <p:cNvPr id="27" name="TextBox 26">
-            <a:extLst>
-              <a:ext uri="{FF2B5EF4-FFF2-40B4-BE49-F238E27FC236}">
-                <a16:creationId xmlns:a16="http://schemas.microsoft.com/office/drawing/2014/main" id="{A58CC8BF-B2BE-DEFA-01C7-0D912930B9CD}"/>
-              </a:ext>
-            </a:extLst>
-          </p:cNvPr>
-          <p:cNvSpPr txBox="1"/>
-          <p:nvPr/>
-        </p:nvSpPr>
-        <p:spPr>
-          <a:xfrm>
-            <a:off x="5146650" y="1540693"/>
-            <a:ext cx="1412044" cy="830997"/>
-          </a:xfrm>
-          <a:prstGeom prst="rect">
-            <a:avLst/>
-          </a:prstGeom>
-          <a:noFill/>
-        </p:spPr>
-        <p:txBody>
-          <a:bodyPr wrap="square" rtlCol="0">
-            <a:spAutoFit/>
-          </a:bodyPr>
-          <a:lstStyle/>
-          <a:p>
-            <a:r>
-              <a:rPr lang="en-US" sz="1600" dirty="0">
-                <a:solidFill>
-                  <a:srgbClr val="00B050"/>
-                </a:solidFill>
-              </a:rPr>
-              <a:t>Registry Community </a:t>
-            </a:r>
-          </a:p>
-          <a:p>
-            <a:r>
-              <a:rPr lang="en-US" sz="1600" dirty="0">
-                <a:solidFill>
-                  <a:srgbClr val="00B050"/>
-                </a:solidFill>
-              </a:rPr>
-              <a:t>Testing</a:t>
-            </a:r>
-          </a:p>
-        </p:txBody>
-      </p:sp>
-      <p:cxnSp>
-        <p:nvCxnSpPr>
-          <p:cNvPr id="28" name="Straight Arrow Connector 27">
-            <a:extLst>
-              <a:ext uri="{FF2B5EF4-FFF2-40B4-BE49-F238E27FC236}">
-                <a16:creationId xmlns:a16="http://schemas.microsoft.com/office/drawing/2014/main" id="{A9C1AFC7-F0A7-F2C0-6FF1-3239697D68E8}"/>
-              </a:ext>
-            </a:extLst>
-          </p:cNvPr>
-          <p:cNvCxnSpPr>
-            <a:cxnSpLocks/>
-          </p:cNvCxnSpPr>
-          <p:nvPr/>
-        </p:nvCxnSpPr>
-        <p:spPr>
-          <a:xfrm>
-            <a:off x="5176193" y="2438115"/>
-            <a:ext cx="918072" cy="0"/>
-          </a:xfrm>
-          <a:prstGeom prst="straightConnector1">
-            <a:avLst/>
-          </a:prstGeom>
-          <a:ln>
-            <a:solidFill>
-              <a:srgbClr val="00B050"/>
-            </a:solidFill>
-            <a:headEnd type="triangle"/>
-            <a:tailEnd type="triangle"/>
-          </a:ln>
-        </p:spPr>
-        <p:style>
-          <a:lnRef idx="1">
-            <a:schemeClr val="accent1"/>
-          </a:lnRef>
-          <a:fillRef idx="0">
-            <a:schemeClr val="accent1"/>
-          </a:fillRef>
-          <a:effectRef idx="0">
-            <a:schemeClr val="accent1"/>
-          </a:effectRef>
-          <a:fontRef idx="minor">
-            <a:schemeClr val="tx1"/>
-          </a:fontRef>
-        </p:style>
-      </p:cxnSp>
-      <p:cxnSp>
-        <p:nvCxnSpPr>
-          <p:cNvPr id="36" name="Straight Connector 35">
-            <a:extLst>
-              <a:ext uri="{FF2B5EF4-FFF2-40B4-BE49-F238E27FC236}">
-                <a16:creationId xmlns:a16="http://schemas.microsoft.com/office/drawing/2014/main" id="{2573C1B4-14B4-096D-08F8-F4488BB79F5E}"/>
-              </a:ext>
-            </a:extLst>
-          </p:cNvPr>
-          <p:cNvCxnSpPr>
-            <a:cxnSpLocks/>
-          </p:cNvCxnSpPr>
-          <p:nvPr/>
-        </p:nvCxnSpPr>
-        <p:spPr>
-          <a:xfrm>
-            <a:off x="2617775" y="3261326"/>
-            <a:ext cx="11055" cy="1156442"/>
-          </a:xfrm>
-          <a:prstGeom prst="line">
-            <a:avLst/>
-          </a:prstGeom>
-          <a:ln w="76200">
-            <a:solidFill>
-              <a:srgbClr val="00B0F0"/>
-            </a:solidFill>
-          </a:ln>
-        </p:spPr>
-        <p:style>
-          <a:lnRef idx="1">
-            <a:schemeClr val="accent1"/>
-          </a:lnRef>
-          <a:fillRef idx="0">
-            <a:schemeClr val="accent1"/>
-          </a:fillRef>
-          <a:effectRef idx="0">
-            <a:schemeClr val="accent1"/>
-          </a:effectRef>
-          <a:fontRef idx="minor">
-            <a:schemeClr val="tx1"/>
-          </a:fontRef>
-        </p:style>
-      </p:cxnSp>
-      <p:sp>
-        <p:nvSpPr>
-          <p:cNvPr id="18" name="TextBox 17">
-            <a:extLst>
-              <a:ext uri="{FF2B5EF4-FFF2-40B4-BE49-F238E27FC236}">
-                <a16:creationId xmlns:a16="http://schemas.microsoft.com/office/drawing/2014/main" id="{C6A4BBAB-C83B-A9AE-E545-F142AD11A400}"/>
-              </a:ext>
-            </a:extLst>
-          </p:cNvPr>
-          <p:cNvSpPr txBox="1"/>
-          <p:nvPr/>
-        </p:nvSpPr>
-        <p:spPr>
-          <a:xfrm>
-            <a:off x="4020978" y="2861662"/>
-            <a:ext cx="592342" cy="369332"/>
-          </a:xfrm>
-          <a:prstGeom prst="rect">
-            <a:avLst/>
-          </a:prstGeom>
-          <a:noFill/>
-        </p:spPr>
-        <p:txBody>
-          <a:bodyPr wrap="square" rtlCol="0">
-            <a:spAutoFit/>
-          </a:bodyPr>
-          <a:lstStyle/>
-          <a:p>
-            <a:r>
-              <a:rPr lang="en-US" dirty="0">
-                <a:solidFill>
-                  <a:srgbClr val="FFB000"/>
-                </a:solidFill>
-              </a:rPr>
-              <a:t>May</a:t>
-            </a:r>
-          </a:p>
-        </p:txBody>
-      </p:sp>
-      <p:cxnSp>
-        <p:nvCxnSpPr>
-          <p:cNvPr id="8" name="Straight Connector 7">
-            <a:extLst>
-              <a:ext uri="{FF2B5EF4-FFF2-40B4-BE49-F238E27FC236}">
-                <a16:creationId xmlns:a16="http://schemas.microsoft.com/office/drawing/2014/main" id="{4EBAF716-2A28-1176-0A6B-DF12A410AE05}"/>
-              </a:ext>
-            </a:extLst>
-          </p:cNvPr>
-          <p:cNvCxnSpPr>
-            <a:cxnSpLocks/>
-          </p:cNvCxnSpPr>
-          <p:nvPr/>
-        </p:nvCxnSpPr>
-        <p:spPr>
-          <a:xfrm flipV="1">
-            <a:off x="1178805" y="3218861"/>
-            <a:ext cx="10553366" cy="31115"/>
-          </a:xfrm>
-          <a:prstGeom prst="line">
-            <a:avLst/>
-          </a:prstGeom>
-          <a:ln w="76200"/>
-        </p:spPr>
-        <p:style>
-          <a:lnRef idx="1">
-            <a:schemeClr val="accent1"/>
-          </a:lnRef>
-          <a:fillRef idx="0">
-            <a:schemeClr val="accent1"/>
-          </a:fillRef>
-          <a:effectRef idx="0">
-            <a:schemeClr val="accent1"/>
-          </a:effectRef>
-          <a:fontRef idx="minor">
-            <a:schemeClr val="tx1"/>
-          </a:fontRef>
-        </p:style>
-      </p:cxnSp>
-      <p:sp>
-        <p:nvSpPr>
-          <p:cNvPr id="37" name="TextBox 36">
-            <a:extLst>
-              <a:ext uri="{FF2B5EF4-FFF2-40B4-BE49-F238E27FC236}">
-                <a16:creationId xmlns:a16="http://schemas.microsoft.com/office/drawing/2014/main" id="{D38FAA6D-5C69-DA67-D69C-713506C028C2}"/>
-              </a:ext>
-            </a:extLst>
-          </p:cNvPr>
-          <p:cNvSpPr txBox="1"/>
-          <p:nvPr/>
-        </p:nvSpPr>
-        <p:spPr>
-          <a:xfrm>
-            <a:off x="2609012" y="4421664"/>
-            <a:ext cx="1152880" cy="830997"/>
-          </a:xfrm>
-          <a:prstGeom prst="rect">
-            <a:avLst/>
-          </a:prstGeom>
-          <a:noFill/>
-        </p:spPr>
-        <p:txBody>
-          <a:bodyPr wrap="square" rtlCol="0">
-            <a:spAutoFit/>
-          </a:bodyPr>
-          <a:lstStyle/>
-          <a:p>
-            <a:r>
-              <a:rPr lang="en-US" sz="1600" dirty="0">
-                <a:solidFill>
-                  <a:srgbClr val="00B0F0"/>
-                </a:solidFill>
-              </a:rPr>
-              <a:t>Search </a:t>
-            </a:r>
-          </a:p>
-          <a:p>
-            <a:r>
-              <a:rPr lang="en-US" sz="1600" dirty="0">
-                <a:solidFill>
-                  <a:srgbClr val="00B0F0"/>
-                </a:solidFill>
-              </a:rPr>
-              <a:t>Community</a:t>
-            </a:r>
-          </a:p>
-          <a:p>
-            <a:r>
-              <a:rPr lang="en-US" sz="1600" dirty="0">
-                <a:solidFill>
-                  <a:srgbClr val="00B0F0"/>
-                </a:solidFill>
-              </a:rPr>
-              <a:t>Testing</a:t>
-            </a:r>
-          </a:p>
-        </p:txBody>
-      </p:sp>
-      <p:cxnSp>
-        <p:nvCxnSpPr>
-          <p:cNvPr id="40" name="Straight Connector 39">
-            <a:extLst>
-              <a:ext uri="{FF2B5EF4-FFF2-40B4-BE49-F238E27FC236}">
-                <a16:creationId xmlns:a16="http://schemas.microsoft.com/office/drawing/2014/main" id="{08C3F2DA-3C4E-A390-0911-A19820408094}"/>
-              </a:ext>
-            </a:extLst>
-          </p:cNvPr>
-          <p:cNvCxnSpPr>
-            <a:cxnSpLocks/>
-          </p:cNvCxnSpPr>
-          <p:nvPr/>
-        </p:nvCxnSpPr>
-        <p:spPr>
-          <a:xfrm flipH="1">
-            <a:off x="4551636" y="3285240"/>
-            <a:ext cx="2916" cy="2075489"/>
-          </a:xfrm>
-          <a:prstGeom prst="line">
-            <a:avLst/>
-          </a:prstGeom>
-          <a:ln w="76200">
-            <a:solidFill>
-              <a:srgbClr val="00B0F0"/>
-            </a:solidFill>
-          </a:ln>
-        </p:spPr>
-        <p:style>
-          <a:lnRef idx="1">
-            <a:schemeClr val="accent1"/>
-          </a:lnRef>
-          <a:fillRef idx="0">
-            <a:schemeClr val="accent1"/>
-          </a:fillRef>
-          <a:effectRef idx="0">
-            <a:schemeClr val="accent1"/>
-          </a:effectRef>
-          <a:fontRef idx="minor">
-            <a:schemeClr val="tx1"/>
-          </a:fontRef>
-        </p:style>
-      </p:cxnSp>
-      <p:sp>
-        <p:nvSpPr>
-          <p:cNvPr id="42" name="TextBox 41">
-            <a:extLst>
-              <a:ext uri="{FF2B5EF4-FFF2-40B4-BE49-F238E27FC236}">
-                <a16:creationId xmlns:a16="http://schemas.microsoft.com/office/drawing/2014/main" id="{3BEB979A-78FA-F9EC-75A5-E64AAA8E653F}"/>
-              </a:ext>
-            </a:extLst>
-          </p:cNvPr>
-          <p:cNvSpPr txBox="1"/>
-          <p:nvPr/>
-        </p:nvSpPr>
-        <p:spPr>
-          <a:xfrm>
-            <a:off x="4143928" y="5360729"/>
-            <a:ext cx="4317025" cy="1077218"/>
-          </a:xfrm>
-          <a:prstGeom prst="rect">
-            <a:avLst/>
-          </a:prstGeom>
-          <a:noFill/>
-        </p:spPr>
-        <p:txBody>
-          <a:bodyPr wrap="square" rtlCol="0">
-            <a:spAutoFit/>
-          </a:bodyPr>
-          <a:lstStyle/>
-          <a:p>
-            <a:r>
-              <a:rPr lang="en-US" sz="1600" dirty="0">
-                <a:solidFill>
-                  <a:srgbClr val="00B0F0"/>
-                </a:solidFill>
-              </a:rPr>
-              <a:t>Search</a:t>
-            </a:r>
-          </a:p>
-          <a:p>
-            <a:r>
-              <a:rPr lang="en-US" sz="1600" dirty="0">
-                <a:solidFill>
-                  <a:srgbClr val="00B0F0"/>
-                </a:solidFill>
-              </a:rPr>
-              <a:t>Deployment</a:t>
-            </a:r>
-          </a:p>
-          <a:p>
-            <a:r>
-              <a:rPr lang="en-US" sz="1600" dirty="0">
-                <a:solidFill>
-                  <a:srgbClr val="00B0F0"/>
-                </a:solidFill>
-              </a:rPr>
-              <a:t>(Special Chars. 95%)</a:t>
-            </a:r>
-          </a:p>
-          <a:p>
-            <a:endParaRPr lang="en-US" sz="1600" dirty="0">
-              <a:solidFill>
-                <a:srgbClr val="00B0F0"/>
-              </a:solidFill>
-            </a:endParaRPr>
-          </a:p>
-        </p:txBody>
-      </p:sp>
-      <p:cxnSp>
-        <p:nvCxnSpPr>
-          <p:cNvPr id="65" name="Straight Arrow Connector 64">
-            <a:extLst>
-              <a:ext uri="{FF2B5EF4-FFF2-40B4-BE49-F238E27FC236}">
-                <a16:creationId xmlns:a16="http://schemas.microsoft.com/office/drawing/2014/main" id="{6672D4F5-0A86-338F-52A4-F5E4CC3B0599}"/>
-              </a:ext>
-            </a:extLst>
-          </p:cNvPr>
-          <p:cNvCxnSpPr>
-            <a:cxnSpLocks/>
-          </p:cNvCxnSpPr>
-          <p:nvPr/>
-        </p:nvCxnSpPr>
-        <p:spPr>
-          <a:xfrm>
-            <a:off x="2671805" y="4211875"/>
-            <a:ext cx="759153" cy="0"/>
-          </a:xfrm>
-          <a:prstGeom prst="straightConnector1">
-            <a:avLst/>
-          </a:prstGeom>
-          <a:ln>
-            <a:solidFill>
-              <a:srgbClr val="00B050"/>
-            </a:solidFill>
-            <a:headEnd type="triangle"/>
-            <a:tailEnd type="triangle"/>
-          </a:ln>
-        </p:spPr>
-        <p:style>
-          <a:lnRef idx="1">
-            <a:schemeClr val="accent1"/>
-          </a:lnRef>
-          <a:fillRef idx="0">
-            <a:schemeClr val="accent1"/>
-          </a:fillRef>
-          <a:effectRef idx="0">
-            <a:schemeClr val="accent1"/>
-          </a:effectRef>
-          <a:fontRef idx="minor">
-            <a:schemeClr val="tx1"/>
-          </a:fontRef>
-        </p:style>
-      </p:cxnSp>
-      <p:sp>
-        <p:nvSpPr>
-          <p:cNvPr id="33" name="TextBox 32">
-            <a:extLst>
-              <a:ext uri="{FF2B5EF4-FFF2-40B4-BE49-F238E27FC236}">
-                <a16:creationId xmlns:a16="http://schemas.microsoft.com/office/drawing/2014/main" id="{4370D1E3-6988-2EBE-FDE0-FA9114E9158E}"/>
-              </a:ext>
-            </a:extLst>
-          </p:cNvPr>
-          <p:cNvSpPr txBox="1"/>
-          <p:nvPr/>
-        </p:nvSpPr>
-        <p:spPr>
-          <a:xfrm>
-            <a:off x="7286149" y="1537785"/>
-            <a:ext cx="1309845" cy="584775"/>
-          </a:xfrm>
-          <a:prstGeom prst="rect">
-            <a:avLst/>
-          </a:prstGeom>
-          <a:noFill/>
-        </p:spPr>
-        <p:txBody>
-          <a:bodyPr wrap="square" rtlCol="0">
-            <a:spAutoFit/>
-          </a:bodyPr>
-          <a:lstStyle/>
-          <a:p>
-            <a:r>
-              <a:rPr lang="en-US" sz="1600" dirty="0">
-                <a:solidFill>
-                  <a:srgbClr val="00B050"/>
-                </a:solidFill>
-              </a:rPr>
-              <a:t>MVP Registry Deployment</a:t>
-            </a:r>
-          </a:p>
-        </p:txBody>
-      </p:sp>
-      <p:sp>
-        <p:nvSpPr>
-          <p:cNvPr id="41" name="Star: 5 Points 40">
-            <a:extLst>
-              <a:ext uri="{FF2B5EF4-FFF2-40B4-BE49-F238E27FC236}">
-                <a16:creationId xmlns:a16="http://schemas.microsoft.com/office/drawing/2014/main" id="{AD00872A-7A84-23CD-6DF3-A78A62B7C94F}"/>
-              </a:ext>
-            </a:extLst>
-          </p:cNvPr>
-          <p:cNvSpPr/>
-          <p:nvPr/>
-        </p:nvSpPr>
-        <p:spPr>
-          <a:xfrm>
-            <a:off x="4367853" y="4035405"/>
-            <a:ext cx="370866" cy="267238"/>
-          </a:xfrm>
-          <a:prstGeom prst="star5">
-            <a:avLst/>
-          </a:prstGeom>
-          <a:solidFill>
-            <a:srgbClr val="FFFF00"/>
-          </a:solidFill>
-        </p:spPr>
-        <p:style>
-          <a:lnRef idx="2">
-            <a:schemeClr val="accent1">
-              <a:shade val="15000"/>
-            </a:schemeClr>
-          </a:lnRef>
-          <a:fillRef idx="1">
-            <a:schemeClr val="accent1"/>
-          </a:fillRef>
-          <a:effectRef idx="0">
-            <a:schemeClr val="accent1"/>
-          </a:effectRef>
-          <a:fontRef idx="minor">
-            <a:schemeClr val="lt1"/>
-          </a:fontRef>
-        </p:style>
-        <p:txBody>
-          <a:bodyPr rtlCol="0" anchor="ctr"/>
-          <a:lstStyle/>
-          <a:p>
-            <a:pPr algn="ctr"/>
-            <a:endParaRPr lang="en-US"/>
-          </a:p>
-        </p:txBody>
-      </p:sp>
-      <p:cxnSp>
-        <p:nvCxnSpPr>
-          <p:cNvPr id="72" name="Straight Connector 71">
-            <a:extLst>
-              <a:ext uri="{FF2B5EF4-FFF2-40B4-BE49-F238E27FC236}">
-                <a16:creationId xmlns:a16="http://schemas.microsoft.com/office/drawing/2014/main" id="{99C7DC3A-356F-BA94-6C4F-CAB00B46F090}"/>
-              </a:ext>
-            </a:extLst>
-          </p:cNvPr>
-          <p:cNvCxnSpPr>
-            <a:cxnSpLocks/>
-          </p:cNvCxnSpPr>
-          <p:nvPr/>
-        </p:nvCxnSpPr>
-        <p:spPr>
-          <a:xfrm>
-            <a:off x="5822082" y="3249976"/>
-            <a:ext cx="11055" cy="1156442"/>
-          </a:xfrm>
-          <a:prstGeom prst="line">
-            <a:avLst/>
-          </a:prstGeom>
-          <a:ln w="76200">
-            <a:solidFill>
-              <a:srgbClr val="00B0F0"/>
-            </a:solidFill>
-          </a:ln>
-        </p:spPr>
-        <p:style>
-          <a:lnRef idx="1">
-            <a:schemeClr val="accent1"/>
-          </a:lnRef>
-          <a:fillRef idx="0">
-            <a:schemeClr val="accent1"/>
-          </a:fillRef>
-          <a:effectRef idx="0">
-            <a:schemeClr val="accent1"/>
-          </a:effectRef>
-          <a:fontRef idx="minor">
-            <a:schemeClr val="tx1"/>
-          </a:fontRef>
-        </p:style>
-      </p:cxnSp>
-      <p:cxnSp>
-        <p:nvCxnSpPr>
-          <p:cNvPr id="73" name="Straight Connector 72">
-            <a:extLst>
-              <a:ext uri="{FF2B5EF4-FFF2-40B4-BE49-F238E27FC236}">
-                <a16:creationId xmlns:a16="http://schemas.microsoft.com/office/drawing/2014/main" id="{5EC60BDC-16BA-FAB5-9D0E-D7741813CEC6}"/>
-              </a:ext>
-            </a:extLst>
-          </p:cNvPr>
-          <p:cNvCxnSpPr>
-            <a:cxnSpLocks/>
-          </p:cNvCxnSpPr>
-          <p:nvPr/>
-        </p:nvCxnSpPr>
-        <p:spPr>
-          <a:xfrm>
-            <a:off x="6658519" y="3256825"/>
-            <a:ext cx="11055" cy="1156442"/>
-          </a:xfrm>
-          <a:prstGeom prst="line">
-            <a:avLst/>
-          </a:prstGeom>
-          <a:ln w="76200">
-            <a:solidFill>
-              <a:srgbClr val="00B0F0"/>
-            </a:solidFill>
-          </a:ln>
-        </p:spPr>
-        <p:style>
-          <a:lnRef idx="1">
-            <a:schemeClr val="accent1"/>
-          </a:lnRef>
-          <a:fillRef idx="0">
-            <a:schemeClr val="accent1"/>
-          </a:fillRef>
-          <a:effectRef idx="0">
-            <a:schemeClr val="accent1"/>
-          </a:effectRef>
-          <a:fontRef idx="minor">
-            <a:schemeClr val="tx1"/>
-          </a:fontRef>
-        </p:style>
-      </p:cxnSp>
-      <p:cxnSp>
-        <p:nvCxnSpPr>
-          <p:cNvPr id="75" name="Straight Connector 74">
-            <a:extLst>
-              <a:ext uri="{FF2B5EF4-FFF2-40B4-BE49-F238E27FC236}">
-                <a16:creationId xmlns:a16="http://schemas.microsoft.com/office/drawing/2014/main" id="{F1ABFE3A-0C75-D752-4CE1-5684F002A8B8}"/>
-              </a:ext>
-            </a:extLst>
-          </p:cNvPr>
-          <p:cNvCxnSpPr>
-            <a:cxnSpLocks/>
-          </p:cNvCxnSpPr>
-          <p:nvPr/>
-        </p:nvCxnSpPr>
-        <p:spPr>
-          <a:xfrm flipH="1">
-            <a:off x="7755639" y="3212012"/>
-            <a:ext cx="2916" cy="2075489"/>
-          </a:xfrm>
-          <a:prstGeom prst="line">
-            <a:avLst/>
-          </a:prstGeom>
-          <a:ln w="76200">
-            <a:solidFill>
-              <a:srgbClr val="00B0F0"/>
-            </a:solidFill>
-          </a:ln>
-        </p:spPr>
-        <p:style>
-          <a:lnRef idx="1">
-            <a:schemeClr val="accent1"/>
-          </a:lnRef>
-          <a:fillRef idx="0">
-            <a:schemeClr val="accent1"/>
-          </a:fillRef>
-          <a:effectRef idx="0">
-            <a:schemeClr val="accent1"/>
-          </a:effectRef>
-          <a:fontRef idx="minor">
-            <a:schemeClr val="tx1"/>
-          </a:fontRef>
-        </p:style>
-      </p:cxnSp>
-      <p:sp>
-        <p:nvSpPr>
-          <p:cNvPr id="76" name="Star: 5 Points 75">
-            <a:extLst>
-              <a:ext uri="{FF2B5EF4-FFF2-40B4-BE49-F238E27FC236}">
-                <a16:creationId xmlns:a16="http://schemas.microsoft.com/office/drawing/2014/main" id="{CE58C958-2F22-76A0-0E99-3DB7CD987490}"/>
-              </a:ext>
-            </a:extLst>
-          </p:cNvPr>
-          <p:cNvSpPr/>
-          <p:nvPr/>
-        </p:nvSpPr>
-        <p:spPr>
-          <a:xfrm>
-            <a:off x="7570206" y="4118003"/>
-            <a:ext cx="370866" cy="267238"/>
-          </a:xfrm>
-          <a:prstGeom prst="star5">
-            <a:avLst/>
-          </a:prstGeom>
-          <a:solidFill>
-            <a:srgbClr val="FFFF00"/>
-          </a:solidFill>
-        </p:spPr>
-        <p:style>
-          <a:lnRef idx="2">
-            <a:schemeClr val="accent1">
-              <a:shade val="15000"/>
-            </a:schemeClr>
-          </a:lnRef>
-          <a:fillRef idx="1">
-            <a:schemeClr val="accent1"/>
-          </a:fillRef>
-          <a:effectRef idx="0">
-            <a:schemeClr val="accent1"/>
-          </a:effectRef>
-          <a:fontRef idx="minor">
-            <a:schemeClr val="lt1"/>
-          </a:fontRef>
-        </p:style>
-        <p:txBody>
-          <a:bodyPr rtlCol="0" anchor="ctr"/>
-          <a:lstStyle/>
-          <a:p>
-            <a:pPr algn="ctr"/>
-            <a:endParaRPr lang="en-US"/>
-          </a:p>
-        </p:txBody>
-      </p:sp>
-      <p:sp>
-        <p:nvSpPr>
-          <p:cNvPr id="77" name="TextBox 76">
-            <a:extLst>
-              <a:ext uri="{FF2B5EF4-FFF2-40B4-BE49-F238E27FC236}">
-                <a16:creationId xmlns:a16="http://schemas.microsoft.com/office/drawing/2014/main" id="{8B7E756E-8A28-7F04-39CE-A283F46C6D1E}"/>
-              </a:ext>
-            </a:extLst>
-          </p:cNvPr>
-          <p:cNvSpPr txBox="1"/>
-          <p:nvPr/>
-        </p:nvSpPr>
-        <p:spPr>
-          <a:xfrm>
-            <a:off x="7415146" y="5299658"/>
-            <a:ext cx="4317025" cy="1323439"/>
-          </a:xfrm>
-          <a:prstGeom prst="rect">
-            <a:avLst/>
-          </a:prstGeom>
-          <a:noFill/>
-        </p:spPr>
-        <p:txBody>
-          <a:bodyPr wrap="square" rtlCol="0">
-            <a:spAutoFit/>
-          </a:bodyPr>
-          <a:lstStyle/>
-          <a:p>
-            <a:r>
-              <a:rPr lang="en-US" sz="1600" dirty="0">
-                <a:solidFill>
-                  <a:srgbClr val="00B0F0"/>
-                </a:solidFill>
-              </a:rPr>
-              <a:t>Search</a:t>
-            </a:r>
-          </a:p>
-          <a:p>
-            <a:r>
-              <a:rPr lang="en-US" sz="1600" dirty="0">
-                <a:solidFill>
-                  <a:srgbClr val="00B0F0"/>
-                </a:solidFill>
-              </a:rPr>
-              <a:t>(Exact Phrase</a:t>
-            </a:r>
-          </a:p>
-          <a:p>
-            <a:r>
-              <a:rPr lang="en-US" sz="1600" dirty="0">
-                <a:solidFill>
-                  <a:srgbClr val="00B0F0"/>
-                </a:solidFill>
-              </a:rPr>
-              <a:t>Wildcard</a:t>
-            </a:r>
-          </a:p>
-          <a:p>
-            <a:r>
-              <a:rPr lang="en-US" sz="1600" dirty="0">
-                <a:solidFill>
-                  <a:srgbClr val="00B0F0"/>
-                </a:solidFill>
-              </a:rPr>
-              <a:t>Dates with hyphen)</a:t>
-            </a:r>
-          </a:p>
-          <a:p>
-            <a:endParaRPr lang="en-US" sz="1600" dirty="0">
-              <a:solidFill>
-                <a:srgbClr val="00B0F0"/>
-              </a:solidFill>
-            </a:endParaRPr>
-          </a:p>
-        </p:txBody>
-      </p:sp>
-      <p:cxnSp>
-        <p:nvCxnSpPr>
-          <p:cNvPr id="78" name="Straight Arrow Connector 77">
-            <a:extLst>
-              <a:ext uri="{FF2B5EF4-FFF2-40B4-BE49-F238E27FC236}">
-                <a16:creationId xmlns:a16="http://schemas.microsoft.com/office/drawing/2014/main" id="{E411E736-6F60-B9D2-D9B1-E770E25CC7D0}"/>
-              </a:ext>
-            </a:extLst>
-          </p:cNvPr>
-          <p:cNvCxnSpPr>
-            <a:cxnSpLocks/>
-          </p:cNvCxnSpPr>
-          <p:nvPr/>
-        </p:nvCxnSpPr>
-        <p:spPr>
-          <a:xfrm>
-            <a:off x="5880263" y="4191437"/>
-            <a:ext cx="703607" cy="20438"/>
-          </a:xfrm>
-          <a:prstGeom prst="straightConnector1">
-            <a:avLst/>
-          </a:prstGeom>
-          <a:ln>
-            <a:solidFill>
-              <a:srgbClr val="00B050"/>
-            </a:solidFill>
-            <a:headEnd type="triangle"/>
-            <a:tailEnd type="triangle"/>
-          </a:ln>
-        </p:spPr>
-        <p:style>
-          <a:lnRef idx="1">
-            <a:schemeClr val="accent1"/>
-          </a:lnRef>
-          <a:fillRef idx="0">
-            <a:schemeClr val="accent1"/>
-          </a:fillRef>
-          <a:effectRef idx="0">
-            <a:schemeClr val="accent1"/>
-          </a:effectRef>
-          <a:fontRef idx="minor">
-            <a:schemeClr val="tx1"/>
-          </a:fontRef>
-        </p:style>
-      </p:cxnSp>
-      <p:sp>
-        <p:nvSpPr>
-          <p:cNvPr id="79" name="TextBox 78">
-            <a:extLst>
-              <a:ext uri="{FF2B5EF4-FFF2-40B4-BE49-F238E27FC236}">
-                <a16:creationId xmlns:a16="http://schemas.microsoft.com/office/drawing/2014/main" id="{C4B14E8C-F990-8027-F60F-9FB0AEE13B9F}"/>
-              </a:ext>
-            </a:extLst>
-          </p:cNvPr>
-          <p:cNvSpPr txBox="1"/>
-          <p:nvPr/>
-        </p:nvSpPr>
-        <p:spPr>
-          <a:xfrm>
-            <a:off x="5763694" y="4462723"/>
-            <a:ext cx="1152880" cy="830997"/>
-          </a:xfrm>
-          <a:prstGeom prst="rect">
-            <a:avLst/>
-          </a:prstGeom>
-          <a:noFill/>
-        </p:spPr>
-        <p:txBody>
-          <a:bodyPr wrap="square" rtlCol="0">
-            <a:spAutoFit/>
-          </a:bodyPr>
-          <a:lstStyle/>
-          <a:p>
-            <a:r>
-              <a:rPr lang="en-US" sz="1600" dirty="0">
-                <a:solidFill>
-                  <a:srgbClr val="00B0F0"/>
-                </a:solidFill>
-              </a:rPr>
-              <a:t>Search</a:t>
-            </a:r>
-          </a:p>
-          <a:p>
-            <a:r>
-              <a:rPr lang="en-US" sz="1600" dirty="0">
-                <a:solidFill>
-                  <a:srgbClr val="00B0F0"/>
-                </a:solidFill>
-              </a:rPr>
-              <a:t>Community</a:t>
-            </a:r>
-          </a:p>
-          <a:p>
-            <a:r>
-              <a:rPr lang="en-US" sz="1600" dirty="0">
-                <a:solidFill>
-                  <a:srgbClr val="00B0F0"/>
-                </a:solidFill>
-              </a:rPr>
-              <a:t>Testing</a:t>
-            </a:r>
-          </a:p>
-        </p:txBody>
-      </p:sp>
-      <p:cxnSp>
-        <p:nvCxnSpPr>
-          <p:cNvPr id="82" name="Straight Connector 81">
-            <a:extLst>
-              <a:ext uri="{FF2B5EF4-FFF2-40B4-BE49-F238E27FC236}">
-                <a16:creationId xmlns:a16="http://schemas.microsoft.com/office/drawing/2014/main" id="{F6CF4693-01F6-03EF-4C8C-9F6D577D2BCE}"/>
-              </a:ext>
-            </a:extLst>
-          </p:cNvPr>
-          <p:cNvCxnSpPr>
-            <a:cxnSpLocks/>
-          </p:cNvCxnSpPr>
-          <p:nvPr/>
-        </p:nvCxnSpPr>
-        <p:spPr>
-          <a:xfrm>
-            <a:off x="8775758" y="3249976"/>
-            <a:ext cx="11055" cy="1156442"/>
-          </a:xfrm>
-          <a:prstGeom prst="line">
-            <a:avLst/>
-          </a:prstGeom>
-          <a:ln w="76200">
-            <a:solidFill>
-              <a:srgbClr val="00B0F0"/>
-            </a:solidFill>
-          </a:ln>
-        </p:spPr>
-        <p:style>
-          <a:lnRef idx="1">
-            <a:schemeClr val="accent1"/>
-          </a:lnRef>
-          <a:fillRef idx="0">
-            <a:schemeClr val="accent1"/>
-          </a:fillRef>
-          <a:effectRef idx="0">
-            <a:schemeClr val="accent1"/>
-          </a:effectRef>
-          <a:fontRef idx="minor">
-            <a:schemeClr val="tx1"/>
-          </a:fontRef>
-        </p:style>
-      </p:cxnSp>
-      <p:cxnSp>
-        <p:nvCxnSpPr>
-          <p:cNvPr id="83" name="Straight Connector 82">
-            <a:extLst>
-              <a:ext uri="{FF2B5EF4-FFF2-40B4-BE49-F238E27FC236}">
-                <a16:creationId xmlns:a16="http://schemas.microsoft.com/office/drawing/2014/main" id="{20CDB21C-01CB-44AC-9E1E-7CBC63B9FD70}"/>
-              </a:ext>
-            </a:extLst>
-          </p:cNvPr>
-          <p:cNvCxnSpPr>
-            <a:cxnSpLocks/>
-          </p:cNvCxnSpPr>
-          <p:nvPr/>
-        </p:nvCxnSpPr>
-        <p:spPr>
-          <a:xfrm>
-            <a:off x="9696148" y="3220951"/>
-            <a:ext cx="11055" cy="1156442"/>
-          </a:xfrm>
-          <a:prstGeom prst="line">
-            <a:avLst/>
-          </a:prstGeom>
-          <a:ln w="76200">
-            <a:solidFill>
-              <a:srgbClr val="00B0F0"/>
-            </a:solidFill>
-          </a:ln>
-        </p:spPr>
-        <p:style>
-          <a:lnRef idx="1">
-            <a:schemeClr val="accent1"/>
-          </a:lnRef>
-          <a:fillRef idx="0">
-            <a:schemeClr val="accent1"/>
-          </a:fillRef>
-          <a:effectRef idx="0">
-            <a:schemeClr val="accent1"/>
-          </a:effectRef>
-          <a:fontRef idx="minor">
-            <a:schemeClr val="tx1"/>
-          </a:fontRef>
-        </p:style>
-      </p:cxnSp>
-      <p:cxnSp>
-        <p:nvCxnSpPr>
-          <p:cNvPr id="84" name="Straight Connector 83">
-            <a:extLst>
-              <a:ext uri="{FF2B5EF4-FFF2-40B4-BE49-F238E27FC236}">
-                <a16:creationId xmlns:a16="http://schemas.microsoft.com/office/drawing/2014/main" id="{EA6875BA-CDB1-EFB6-FED7-170FFE107F1A}"/>
-              </a:ext>
-            </a:extLst>
-          </p:cNvPr>
-          <p:cNvCxnSpPr>
-            <a:cxnSpLocks/>
-          </p:cNvCxnSpPr>
-          <p:nvPr/>
-        </p:nvCxnSpPr>
-        <p:spPr>
-          <a:xfrm flipH="1">
-            <a:off x="10935456" y="3279002"/>
-            <a:ext cx="2916" cy="2075489"/>
-          </a:xfrm>
-          <a:prstGeom prst="line">
-            <a:avLst/>
-          </a:prstGeom>
-          <a:ln w="76200">
-            <a:solidFill>
-              <a:srgbClr val="00B0F0"/>
-            </a:solidFill>
-          </a:ln>
-        </p:spPr>
-        <p:style>
-          <a:lnRef idx="1">
-            <a:schemeClr val="accent1"/>
-          </a:lnRef>
-          <a:fillRef idx="0">
-            <a:schemeClr val="accent1"/>
-          </a:fillRef>
-          <a:effectRef idx="0">
-            <a:schemeClr val="accent1"/>
-          </a:effectRef>
-          <a:fontRef idx="minor">
-            <a:schemeClr val="tx1"/>
-          </a:fontRef>
-        </p:style>
-      </p:cxnSp>
-      <p:sp>
-        <p:nvSpPr>
-          <p:cNvPr id="85" name="Star: 5 Points 84">
-            <a:extLst>
-              <a:ext uri="{FF2B5EF4-FFF2-40B4-BE49-F238E27FC236}">
-                <a16:creationId xmlns:a16="http://schemas.microsoft.com/office/drawing/2014/main" id="{0F781159-C6C7-2A7F-6AD2-073E9072E4CE}"/>
-              </a:ext>
-            </a:extLst>
-          </p:cNvPr>
-          <p:cNvSpPr/>
-          <p:nvPr/>
-        </p:nvSpPr>
-        <p:spPr>
-          <a:xfrm>
-            <a:off x="10747088" y="4035405"/>
-            <a:ext cx="370866" cy="267238"/>
-          </a:xfrm>
-          <a:prstGeom prst="star5">
-            <a:avLst/>
-          </a:prstGeom>
-          <a:solidFill>
-            <a:srgbClr val="FFFF00"/>
-          </a:solidFill>
-        </p:spPr>
-        <p:style>
-          <a:lnRef idx="2">
-            <a:schemeClr val="accent1">
-              <a:shade val="15000"/>
-            </a:schemeClr>
-          </a:lnRef>
-          <a:fillRef idx="1">
-            <a:schemeClr val="accent1"/>
-          </a:fillRef>
-          <a:effectRef idx="0">
-            <a:schemeClr val="accent1"/>
-          </a:effectRef>
-          <a:fontRef idx="minor">
-            <a:schemeClr val="lt1"/>
-          </a:fontRef>
-        </p:style>
-        <p:txBody>
-          <a:bodyPr rtlCol="0" anchor="ctr"/>
-          <a:lstStyle/>
-          <a:p>
-            <a:pPr algn="ctr"/>
-            <a:endParaRPr lang="en-US"/>
-          </a:p>
-        </p:txBody>
-      </p:sp>
-      <p:sp>
-        <p:nvSpPr>
-          <p:cNvPr id="86" name="TextBox 85">
-            <a:extLst>
-              <a:ext uri="{FF2B5EF4-FFF2-40B4-BE49-F238E27FC236}">
-                <a16:creationId xmlns:a16="http://schemas.microsoft.com/office/drawing/2014/main" id="{75FC841E-A120-7033-6864-C5BAD4EBF78B}"/>
-              </a:ext>
-            </a:extLst>
-          </p:cNvPr>
-          <p:cNvSpPr txBox="1"/>
-          <p:nvPr/>
-        </p:nvSpPr>
-        <p:spPr>
-          <a:xfrm>
-            <a:off x="10431932" y="5366648"/>
-            <a:ext cx="4317025" cy="830997"/>
-          </a:xfrm>
-          <a:prstGeom prst="rect">
-            <a:avLst/>
-          </a:prstGeom>
-          <a:noFill/>
-        </p:spPr>
-        <p:txBody>
-          <a:bodyPr wrap="square" rtlCol="0">
-            <a:spAutoFit/>
-          </a:bodyPr>
-          <a:lstStyle/>
-          <a:p>
-            <a:r>
-              <a:rPr lang="en-US" sz="1600" dirty="0">
-                <a:solidFill>
-                  <a:srgbClr val="00B0F0"/>
-                </a:solidFill>
-              </a:rPr>
-              <a:t>Search</a:t>
-            </a:r>
-          </a:p>
-          <a:p>
-            <a:r>
-              <a:rPr lang="en-US" sz="1600" dirty="0">
-                <a:solidFill>
-                  <a:srgbClr val="00B0F0"/>
-                </a:solidFill>
-              </a:rPr>
-              <a:t>(Filtering, Sorting)</a:t>
-            </a:r>
-          </a:p>
-          <a:p>
-            <a:endParaRPr lang="en-US" sz="1600" dirty="0">
-              <a:solidFill>
-                <a:srgbClr val="00B0F0"/>
-              </a:solidFill>
-            </a:endParaRPr>
-          </a:p>
-        </p:txBody>
-      </p:sp>
-      <p:cxnSp>
-        <p:nvCxnSpPr>
-          <p:cNvPr id="87" name="Straight Arrow Connector 86">
-            <a:extLst>
-              <a:ext uri="{FF2B5EF4-FFF2-40B4-BE49-F238E27FC236}">
-                <a16:creationId xmlns:a16="http://schemas.microsoft.com/office/drawing/2014/main" id="{E86823BE-7011-5909-F64A-7EBCAD7DCA2D}"/>
-              </a:ext>
-            </a:extLst>
-          </p:cNvPr>
-          <p:cNvCxnSpPr>
-            <a:cxnSpLocks/>
-          </p:cNvCxnSpPr>
-          <p:nvPr/>
-        </p:nvCxnSpPr>
-        <p:spPr>
-          <a:xfrm flipV="1">
-            <a:off x="8909301" y="4182642"/>
-            <a:ext cx="712198" cy="8794"/>
-          </a:xfrm>
-          <a:prstGeom prst="straightConnector1">
-            <a:avLst/>
-          </a:prstGeom>
-          <a:ln>
-            <a:solidFill>
-              <a:srgbClr val="00B050"/>
-            </a:solidFill>
-            <a:headEnd type="triangle"/>
-            <a:tailEnd type="triangle"/>
-          </a:ln>
-        </p:spPr>
-        <p:style>
-          <a:lnRef idx="1">
-            <a:schemeClr val="accent1"/>
-          </a:lnRef>
-          <a:fillRef idx="0">
-            <a:schemeClr val="accent1"/>
-          </a:fillRef>
-          <a:effectRef idx="0">
-            <a:schemeClr val="accent1"/>
-          </a:effectRef>
-          <a:fontRef idx="minor">
-            <a:schemeClr val="tx1"/>
-          </a:fontRef>
-        </p:style>
-      </p:cxnSp>
-      <p:sp>
-        <p:nvSpPr>
-          <p:cNvPr id="88" name="TextBox 87">
-            <a:extLst>
-              <a:ext uri="{FF2B5EF4-FFF2-40B4-BE49-F238E27FC236}">
-                <a16:creationId xmlns:a16="http://schemas.microsoft.com/office/drawing/2014/main" id="{F9169CB0-9459-F830-2A58-30079EB3F327}"/>
-              </a:ext>
-            </a:extLst>
-          </p:cNvPr>
-          <p:cNvSpPr txBox="1"/>
-          <p:nvPr/>
-        </p:nvSpPr>
-        <p:spPr>
-          <a:xfrm>
-            <a:off x="8759722" y="4351710"/>
-            <a:ext cx="1152880" cy="830997"/>
-          </a:xfrm>
-          <a:prstGeom prst="rect">
-            <a:avLst/>
-          </a:prstGeom>
-          <a:noFill/>
-        </p:spPr>
-        <p:txBody>
-          <a:bodyPr wrap="square" rtlCol="0">
-            <a:spAutoFit/>
-          </a:bodyPr>
-          <a:lstStyle/>
-          <a:p>
-            <a:r>
-              <a:rPr lang="en-US" sz="1600" dirty="0">
-                <a:solidFill>
-                  <a:srgbClr val="00B0F0"/>
-                </a:solidFill>
-              </a:rPr>
-              <a:t>Search</a:t>
-            </a:r>
-          </a:p>
-          <a:p>
-            <a:r>
-              <a:rPr lang="en-US" sz="1600" dirty="0">
-                <a:solidFill>
-                  <a:srgbClr val="00B0F0"/>
-                </a:solidFill>
-              </a:rPr>
-              <a:t>Community</a:t>
-            </a:r>
-          </a:p>
-          <a:p>
-            <a:r>
-              <a:rPr lang="en-US" sz="1600" dirty="0">
-                <a:solidFill>
-                  <a:srgbClr val="00B0F0"/>
-                </a:solidFill>
-              </a:rPr>
-              <a:t>Testing</a:t>
-            </a:r>
-          </a:p>
-        </p:txBody>
-      </p:sp>
-    </p:spTree>
-    <p:extLst>
-      <p:ext uri="{BB962C8B-B14F-4D97-AF65-F5344CB8AC3E}">
-        <p14:creationId xmlns:p14="http://schemas.microsoft.com/office/powerpoint/2010/main" val="734272862"/>
       </p:ext>
     </p:extLst>
   </p:cSld>
@@ -12657,6 +10470,23 @@
 </file>
 
 <file path=customXml/item1.xml><?xml version="1.0" encoding="utf-8"?>
+<?mso-contentType ?>
+<FormTemplates xmlns="http://schemas.microsoft.com/sharepoint/v3/contenttype/forms">
+  <Display>DocumentLibraryForm</Display>
+  <Edit>DocumentLibraryForm</Edit>
+  <New>DocumentLibraryForm</New>
+</FormTemplates>
+</file>
+
+<file path=customXml/item2.xml><?xml version="1.0" encoding="utf-8"?>
+<p:properties xmlns:p="http://schemas.microsoft.com/office/2006/metadata/properties" xmlns:xsi="http://www.w3.org/2001/XMLSchema-instance" xmlns:pc="http://schemas.microsoft.com/office/infopath/2007/PartnerControls">
+  <documentManagement>
+    <_activity xmlns="02ee08d2-a08f-4780-98b4-8caf355fdcee" xsi:nil="true"/>
+  </documentManagement>
+</p:properties>
+</file>
+
+<file path=customXml/item3.xml><?xml version="1.0" encoding="utf-8"?>
 <ct:contentTypeSchema xmlns:ct="http://schemas.microsoft.com/office/2006/metadata/contentType" xmlns:ma="http://schemas.microsoft.com/office/2006/metadata/properties/metaAttributes" ct:_="" ma:_="" ma:contentTypeName="Document" ma:contentTypeID="0x0101002B6EE2EFFA8D0844BB35FA9925A3CE04" ma:contentTypeVersion="15" ma:contentTypeDescription="Create a new document." ma:contentTypeScope="" ma:versionID="f455e4880a23d1d8c685e1a79e93ae56">
   <xsd:schema xmlns:xsd="http://www.w3.org/2001/XMLSchema" xmlns:xs="http://www.w3.org/2001/XMLSchema" xmlns:p="http://schemas.microsoft.com/office/2006/metadata/properties" xmlns:ns3="46231387-b76b-4d77-850b-2e24a827f940" xmlns:ns4="02ee08d2-a08f-4780-98b4-8caf355fdcee" targetNamespace="http://schemas.microsoft.com/office/2006/metadata/properties" ma:root="true" ma:fieldsID="a229aaa232ac5321cfa938aa3183aafc" ns3:_="" ns4:_="">
     <xsd:import namespace="46231387-b76b-4d77-850b-2e24a827f940"/>
@@ -12889,38 +10719,10 @@
 </ct:contentTypeSchema>
 </file>
 
-<file path=customXml/item2.xml><?xml version="1.0" encoding="utf-8"?>
-<p:properties xmlns:p="http://schemas.microsoft.com/office/2006/metadata/properties" xmlns:xsi="http://www.w3.org/2001/XMLSchema-instance" xmlns:pc="http://schemas.microsoft.com/office/infopath/2007/PartnerControls">
-  <documentManagement>
-    <_activity xmlns="02ee08d2-a08f-4780-98b4-8caf355fdcee" xsi:nil="true"/>
-  </documentManagement>
-</p:properties>
-</file>
-
-<file path=customXml/item3.xml><?xml version="1.0" encoding="utf-8"?>
-<?mso-contentType ?>
-<FormTemplates xmlns="http://schemas.microsoft.com/sharepoint/v3/contenttype/forms">
-  <Display>DocumentLibraryForm</Display>
-  <Edit>DocumentLibraryForm</Edit>
-  <New>DocumentLibraryForm</New>
-</FormTemplates>
-</file>
-
 <file path=customXml/itemProps1.xml><?xml version="1.0" encoding="utf-8"?>
-<ds:datastoreItem xmlns:ds="http://schemas.openxmlformats.org/officeDocument/2006/customXml" ds:itemID="{0B1FBE73-BF4D-408B-9F53-83129F891256}">
+<ds:datastoreItem xmlns:ds="http://schemas.openxmlformats.org/officeDocument/2006/customXml" ds:itemID="{416BA5C9-2D71-4B86-AE8A-8C0D9BC5FB22}">
   <ds:schemaRefs>
-    <ds:schemaRef ds:uri="http://schemas.microsoft.com/office/2006/metadata/contentType"/>
-    <ds:schemaRef ds:uri="http://schemas.microsoft.com/office/2006/metadata/properties/metaAttributes"/>
-    <ds:schemaRef ds:uri="http://www.w3.org/2001/XMLSchema"/>
-    <ds:schemaRef ds:uri="http://schemas.microsoft.com/office/2006/metadata/properties"/>
-    <ds:schemaRef ds:uri="46231387-b76b-4d77-850b-2e24a827f940"/>
-    <ds:schemaRef ds:uri="02ee08d2-a08f-4780-98b4-8caf355fdcee"/>
-    <ds:schemaRef ds:uri="http://schemas.microsoft.com/office/2006/documentManagement/types"/>
-    <ds:schemaRef ds:uri="http://schemas.microsoft.com/office/infopath/2007/PartnerControls"/>
-    <ds:schemaRef ds:uri="http://schemas.openxmlformats.org/package/2006/metadata/core-properties"/>
-    <ds:schemaRef ds:uri="http://purl.org/dc/elements/1.1/"/>
-    <ds:schemaRef ds:uri="http://purl.org/dc/terms/"/>
-    <ds:schemaRef ds:uri="http://schemas.microsoft.com/internal/obd"/>
+    <ds:schemaRef ds:uri="http://schemas.microsoft.com/sharepoint/v3/contenttype/forms"/>
   </ds:schemaRefs>
 </ds:datastoreItem>
 </file>
@@ -12943,9 +10745,20 @@
 </file>
 
 <file path=customXml/itemProps3.xml><?xml version="1.0" encoding="utf-8"?>
-<ds:datastoreItem xmlns:ds="http://schemas.openxmlformats.org/officeDocument/2006/customXml" ds:itemID="{416BA5C9-2D71-4B86-AE8A-8C0D9BC5FB22}">
+<ds:datastoreItem xmlns:ds="http://schemas.openxmlformats.org/officeDocument/2006/customXml" ds:itemID="{0B1FBE73-BF4D-408B-9F53-83129F891256}">
   <ds:schemaRefs>
-    <ds:schemaRef ds:uri="http://schemas.microsoft.com/sharepoint/v3/contenttype/forms"/>
+    <ds:schemaRef ds:uri="http://schemas.microsoft.com/office/2006/metadata/contentType"/>
+    <ds:schemaRef ds:uri="http://schemas.microsoft.com/office/2006/metadata/properties/metaAttributes"/>
+    <ds:schemaRef ds:uri="http://www.w3.org/2001/XMLSchema"/>
+    <ds:schemaRef ds:uri="http://schemas.microsoft.com/office/2006/metadata/properties"/>
+    <ds:schemaRef ds:uri="46231387-b76b-4d77-850b-2e24a827f940"/>
+    <ds:schemaRef ds:uri="02ee08d2-a08f-4780-98b4-8caf355fdcee"/>
+    <ds:schemaRef ds:uri="http://schemas.microsoft.com/office/2006/documentManagement/types"/>
+    <ds:schemaRef ds:uri="http://schemas.microsoft.com/office/infopath/2007/PartnerControls"/>
+    <ds:schemaRef ds:uri="http://schemas.openxmlformats.org/package/2006/metadata/core-properties"/>
+    <ds:schemaRef ds:uri="http://purl.org/dc/elements/1.1/"/>
+    <ds:schemaRef ds:uri="http://purl.org/dc/terms/"/>
+    <ds:schemaRef ds:uri="http://schemas.microsoft.com/internal/obd"/>
   </ds:schemaRefs>
 </ds:datastoreItem>
 </file>